--- a/test/pptx/inline_formatting.pptx
+++ b/test/pptx/inline_formatting.pptx
@@ -104,6 +104,22 @@
       </a:defRPr>
     </a:lvl9pPr>
   </p:defaultTextStyle>
+  <p:extLst>
+    <p:ext uri="{EFAFB233-063F-42B5-8137-9DF3F51BA10A}">
+      <p15:sldGuideLst xmlns:p15="http://schemas.microsoft.com/office/powerpoint/2012/main">
+        <p15:guide id="1" orient="horz" pos="2160">
+          <p15:clr>
+            <a:srgbClr val="A4A3A4"/>
+          </p15:clr>
+        </p15:guide>
+        <p15:guide id="2" pos="2880">
+          <p15:clr>
+            <a:srgbClr val="A4A3A4"/>
+          </p15:clr>
+        </p15:guide>
+      </p15:sldGuideLst>
+    </p:ext>
+  </p:extLst>
 </p:presentation>
 </file>
 
@@ -288,7 +304,7 @@
           <a:p>
             <a:fld id="{241EB5C9-1307-BA42-ABA2-0BC069CD8E7F}" type="datetimeFigureOut">
               <a:rPr lang="en-US" smtClean="0"/>
-              <a:t>6/5/17</a:t>
+              <a:t>2/17/2018</a:t>
             </a:fld>
             <a:endParaRPr lang="en-US"/>
           </a:p>
@@ -458,7 +474,7 @@
           <a:p>
             <a:fld id="{241EB5C9-1307-BA42-ABA2-0BC069CD8E7F}" type="datetimeFigureOut">
               <a:rPr lang="en-US" smtClean="0"/>
-              <a:t>6/5/17</a:t>
+              <a:t>2/17/2018</a:t>
             </a:fld>
             <a:endParaRPr lang="en-US"/>
           </a:p>
@@ -638,7 +654,7 @@
           <a:p>
             <a:fld id="{241EB5C9-1307-BA42-ABA2-0BC069CD8E7F}" type="datetimeFigureOut">
               <a:rPr lang="en-US" smtClean="0"/>
-              <a:t>6/5/17</a:t>
+              <a:t>2/17/2018</a:t>
             </a:fld>
             <a:endParaRPr lang="en-US"/>
           </a:p>
@@ -808,7 +824,7 @@
           <a:p>
             <a:fld id="{241EB5C9-1307-BA42-ABA2-0BC069CD8E7F}" type="datetimeFigureOut">
               <a:rPr lang="en-US" smtClean="0"/>
-              <a:t>6/5/17</a:t>
+              <a:t>2/17/2018</a:t>
             </a:fld>
             <a:endParaRPr lang="en-US"/>
           </a:p>
@@ -1054,7 +1070,7 @@
           <a:p>
             <a:fld id="{241EB5C9-1307-BA42-ABA2-0BC069CD8E7F}" type="datetimeFigureOut">
               <a:rPr lang="en-US" smtClean="0"/>
-              <a:t>6/5/17</a:t>
+              <a:t>2/17/2018</a:t>
             </a:fld>
             <a:endParaRPr lang="en-US"/>
           </a:p>
@@ -1342,7 +1358,7 @@
           <a:p>
             <a:fld id="{241EB5C9-1307-BA42-ABA2-0BC069CD8E7F}" type="datetimeFigureOut">
               <a:rPr lang="en-US" smtClean="0"/>
-              <a:t>6/5/17</a:t>
+              <a:t>2/17/2018</a:t>
             </a:fld>
             <a:endParaRPr lang="en-US"/>
           </a:p>
@@ -1764,7 +1780,7 @@
           <a:p>
             <a:fld id="{241EB5C9-1307-BA42-ABA2-0BC069CD8E7F}" type="datetimeFigureOut">
               <a:rPr lang="en-US" smtClean="0"/>
-              <a:t>6/5/17</a:t>
+              <a:t>2/17/2018</a:t>
             </a:fld>
             <a:endParaRPr lang="en-US"/>
           </a:p>
@@ -1882,7 +1898,7 @@
           <a:p>
             <a:fld id="{241EB5C9-1307-BA42-ABA2-0BC069CD8E7F}" type="datetimeFigureOut">
               <a:rPr lang="en-US" smtClean="0"/>
-              <a:t>6/5/17</a:t>
+              <a:t>2/17/2018</a:t>
             </a:fld>
             <a:endParaRPr lang="en-US"/>
           </a:p>
@@ -1977,7 +1993,7 @@
           <a:p>
             <a:fld id="{241EB5C9-1307-BA42-ABA2-0BC069CD8E7F}" type="datetimeFigureOut">
               <a:rPr lang="en-US" smtClean="0"/>
-              <a:t>6/5/17</a:t>
+              <a:t>2/17/2018</a:t>
             </a:fld>
             <a:endParaRPr lang="en-US"/>
           </a:p>
@@ -2254,7 +2270,7 @@
           <a:p>
             <a:fld id="{241EB5C9-1307-BA42-ABA2-0BC069CD8E7F}" type="datetimeFigureOut">
               <a:rPr lang="en-US" smtClean="0"/>
-              <a:t>6/5/17</a:t>
+              <a:t>2/17/2018</a:t>
             </a:fld>
             <a:endParaRPr lang="en-US"/>
           </a:p>
@@ -2507,7 +2523,7 @@
           <a:p>
             <a:fld id="{241EB5C9-1307-BA42-ABA2-0BC069CD8E7F}" type="datetimeFigureOut">
               <a:rPr lang="en-US" smtClean="0"/>
-              <a:t>6/5/17</a:t>
+              <a:t>2/17/2018</a:t>
             </a:fld>
             <a:endParaRPr lang="en-US"/>
           </a:p>
@@ -2720,7 +2736,7 @@
           <a:p>
             <a:fld id="{241EB5C9-1307-BA42-ABA2-0BC069CD8E7F}" type="datetimeFigureOut">
               <a:rPr lang="en-US" smtClean="0"/>
-              <a:t>6/5/17</a:t>
+              <a:t>2/17/2018</a:t>
             </a:fld>
             <a:endParaRPr lang="en-US"/>
           </a:p>

--- a/test/pptx/inline_formatting.pptx
+++ b/test/pptx/inline_formatting.pptx
@@ -3177,6 +3177,35 @@
             <a:r>
               <a:rPr cap="small"/>
               <a:t>small caps</a:t>
+            </a:r>
+            <a:r>
+              <a:rPr/>
+              <a:t>.</a:t>
+            </a:r>
+          </a:p>
+          <a:p>
+            <a:pPr lvl="0" marL="0" indent="0">
+              <a:buNone/>
+            </a:pPr>
+            <a:r>
+              <a:rPr/>
+              <a:t>Here is </a:t>
+            </a:r>
+            <a:r>
+              <a:rPr u="sng"/>
+              <a:t>some </a:t>
+            </a:r>
+            <a:r>
+              <a:rPr i="1" u="sng"/>
+              <a:t>underlined</a:t>
+            </a:r>
+            <a:r>
+              <a:rPr u="sng"/>
+              <a:t> </a:t>
+            </a:r>
+            <a:r>
+              <a:rPr b="1" u="sng"/>
+              <a:t>text</a:t>
             </a:r>
             <a:r>
               <a:rPr/>

--- a/test/pptx/inline_formatting.pptx
+++ b/test/pptx/inline_formatting.pptx
@@ -304,7 +304,7 @@
           <a:p>
             <a:fld id="{241EB5C9-1307-BA42-ABA2-0BC069CD8E7F}" type="datetimeFigureOut">
               <a:rPr lang="en-US" smtClean="0"/>
-              <a:t>2/17/2018</a:t>
+              <a:t>4/5/2019</a:t>
             </a:fld>
             <a:endParaRPr lang="en-US"/>
           </a:p>
@@ -474,7 +474,7 @@
           <a:p>
             <a:fld id="{241EB5C9-1307-BA42-ABA2-0BC069CD8E7F}" type="datetimeFigureOut">
               <a:rPr lang="en-US" smtClean="0"/>
-              <a:t>2/17/2018</a:t>
+              <a:t>4/5/2019</a:t>
             </a:fld>
             <a:endParaRPr lang="en-US"/>
           </a:p>
@@ -654,7 +654,7 @@
           <a:p>
             <a:fld id="{241EB5C9-1307-BA42-ABA2-0BC069CD8E7F}" type="datetimeFigureOut">
               <a:rPr lang="en-US" smtClean="0"/>
-              <a:t>2/17/2018</a:t>
+              <a:t>4/5/2019</a:t>
             </a:fld>
             <a:endParaRPr lang="en-US"/>
           </a:p>
@@ -824,7 +824,7 @@
           <a:p>
             <a:fld id="{241EB5C9-1307-BA42-ABA2-0BC069CD8E7F}" type="datetimeFigureOut">
               <a:rPr lang="en-US" smtClean="0"/>
-              <a:t>2/17/2018</a:t>
+              <a:t>4/5/2019</a:t>
             </a:fld>
             <a:endParaRPr lang="en-US"/>
           </a:p>
@@ -1070,7 +1070,7 @@
           <a:p>
             <a:fld id="{241EB5C9-1307-BA42-ABA2-0BC069CD8E7F}" type="datetimeFigureOut">
               <a:rPr lang="en-US" smtClean="0"/>
-              <a:t>2/17/2018</a:t>
+              <a:t>4/5/2019</a:t>
             </a:fld>
             <a:endParaRPr lang="en-US"/>
           </a:p>
@@ -1358,7 +1358,7 @@
           <a:p>
             <a:fld id="{241EB5C9-1307-BA42-ABA2-0BC069CD8E7F}" type="datetimeFigureOut">
               <a:rPr lang="en-US" smtClean="0"/>
-              <a:t>2/17/2018</a:t>
+              <a:t>4/5/2019</a:t>
             </a:fld>
             <a:endParaRPr lang="en-US"/>
           </a:p>
@@ -1780,7 +1780,7 @@
           <a:p>
             <a:fld id="{241EB5C9-1307-BA42-ABA2-0BC069CD8E7F}" type="datetimeFigureOut">
               <a:rPr lang="en-US" smtClean="0"/>
-              <a:t>2/17/2018</a:t>
+              <a:t>4/5/2019</a:t>
             </a:fld>
             <a:endParaRPr lang="en-US"/>
           </a:p>
@@ -1898,7 +1898,7 @@
           <a:p>
             <a:fld id="{241EB5C9-1307-BA42-ABA2-0BC069CD8E7F}" type="datetimeFigureOut">
               <a:rPr lang="en-US" smtClean="0"/>
-              <a:t>2/17/2018</a:t>
+              <a:t>4/5/2019</a:t>
             </a:fld>
             <a:endParaRPr lang="en-US"/>
           </a:p>
@@ -1993,7 +1993,7 @@
           <a:p>
             <a:fld id="{241EB5C9-1307-BA42-ABA2-0BC069CD8E7F}" type="datetimeFigureOut">
               <a:rPr lang="en-US" smtClean="0"/>
-              <a:t>2/17/2018</a:t>
+              <a:t>4/5/2019</a:t>
             </a:fld>
             <a:endParaRPr lang="en-US"/>
           </a:p>
@@ -2270,7 +2270,7 @@
           <a:p>
             <a:fld id="{241EB5C9-1307-BA42-ABA2-0BC069CD8E7F}" type="datetimeFigureOut">
               <a:rPr lang="en-US" smtClean="0"/>
-              <a:t>2/17/2018</a:t>
+              <a:t>4/5/2019</a:t>
             </a:fld>
             <a:endParaRPr lang="en-US"/>
           </a:p>
@@ -2523,7 +2523,7 @@
           <a:p>
             <a:fld id="{241EB5C9-1307-BA42-ABA2-0BC069CD8E7F}" type="datetimeFigureOut">
               <a:rPr lang="en-US" smtClean="0"/>
-              <a:t>2/17/2018</a:t>
+              <a:t>4/5/2019</a:t>
             </a:fld>
             <a:endParaRPr lang="en-US"/>
           </a:p>
@@ -2736,7 +2736,7 @@
           <a:p>
             <a:fld id="{241EB5C9-1307-BA42-ABA2-0BC069CD8E7F}" type="datetimeFigureOut">
               <a:rPr lang="en-US" smtClean="0"/>
-              <a:t>2/17/2018</a:t>
+              <a:t>4/5/2019</a:t>
             </a:fld>
             <a:endParaRPr lang="en-US"/>
           </a:p>

--- a/test/pptx/inline_formatting.pptx
+++ b/test/pptx/inline_formatting.pptx
@@ -3189,22 +3189,18 @@
             </a:pPr>
             <a:r>
               <a:rPr/>
-              <a:t>Here is </a:t>
-            </a:r>
-            <a:r>
-              <a:rPr u="sng"/>
-              <a:t>some </a:t>
-            </a:r>
-            <a:r>
-              <a:rPr i="1" u="sng"/>
+              <a:t>Here is some </a:t>
+            </a:r>
+            <a:r>
+              <a:rPr i="1"/>
               <a:t>underlined</a:t>
             </a:r>
             <a:r>
-              <a:rPr u="sng"/>
+              <a:rPr/>
               <a:t> </a:t>
             </a:r>
             <a:r>
-              <a:rPr b="1" u="sng"/>
+              <a:rPr b="1"/>
               <a:t>text</a:t>
             </a:r>
             <a:r>

--- a/test/pptx/inline_formatting.pptx
+++ b/test/pptx/inline_formatting.pptx
@@ -1,6 +1,6 @@
 
 <file path=ppt/presentation.xml><?xml version="1.0" encoding="utf-8"?>
-<p:presentation xmlns:a="http://schemas.openxmlformats.org/drawingml/2006/main" xmlns:r="http://schemas.openxmlformats.org/officeDocument/2006/relationships" xmlns:p="http://schemas.openxmlformats.org/presentationml/2006/main" saveSubsetFonts="1" autoCompressPictures="0">
+<p:presentation xmlns:a="http://schemas.openxmlformats.org/drawingml/2006/main" xmlns:p="http://schemas.openxmlformats.org/presentationml/2006/main" xmlns:r="http://schemas.openxmlformats.org/officeDocument/2006/relationships" autoCompressPictures="0" saveSubsetFonts="1">
   <p:sldMasterIdLst>
     <p:sldMasterId id="2147483648" r:id="rId1"/>
   </p:sldMasterIdLst>
@@ -13,8 +13,8 @@
     <a:defPPr>
       <a:defRPr lang="en-US"/>
     </a:defPPr>
-    <a:lvl1pPr marL="0" algn="l" defTabSz="457200" rtl="0" eaLnBrk="1" latinLnBrk="0" hangingPunct="1">
-      <a:defRPr sz="1800" kern="1200">
+    <a:lvl1pPr algn="l" defTabSz="457200" eaLnBrk="1" hangingPunct="1" latinLnBrk="0" marL="0" rtl="0">
+      <a:defRPr kern="1200" sz="1800">
         <a:solidFill>
           <a:schemeClr val="tx1"/>
         </a:solidFill>
@@ -23,8 +23,8 @@
         <a:cs typeface="+mn-cs"/>
       </a:defRPr>
     </a:lvl1pPr>
-    <a:lvl2pPr marL="457200" algn="l" defTabSz="457200" rtl="0" eaLnBrk="1" latinLnBrk="0" hangingPunct="1">
-      <a:defRPr sz="1800" kern="1200">
+    <a:lvl2pPr algn="l" defTabSz="457200" eaLnBrk="1" hangingPunct="1" latinLnBrk="0" marL="457200" rtl="0">
+      <a:defRPr kern="1200" sz="1800">
         <a:solidFill>
           <a:schemeClr val="tx1"/>
         </a:solidFill>
@@ -33,8 +33,8 @@
         <a:cs typeface="+mn-cs"/>
       </a:defRPr>
     </a:lvl2pPr>
-    <a:lvl3pPr marL="914400" algn="l" defTabSz="457200" rtl="0" eaLnBrk="1" latinLnBrk="0" hangingPunct="1">
-      <a:defRPr sz="1800" kern="1200">
+    <a:lvl3pPr algn="l" defTabSz="457200" eaLnBrk="1" hangingPunct="1" latinLnBrk="0" marL="914400" rtl="0">
+      <a:defRPr kern="1200" sz="1800">
         <a:solidFill>
           <a:schemeClr val="tx1"/>
         </a:solidFill>
@@ -43,8 +43,8 @@
         <a:cs typeface="+mn-cs"/>
       </a:defRPr>
     </a:lvl3pPr>
-    <a:lvl4pPr marL="1371600" algn="l" defTabSz="457200" rtl="0" eaLnBrk="1" latinLnBrk="0" hangingPunct="1">
-      <a:defRPr sz="1800" kern="1200">
+    <a:lvl4pPr algn="l" defTabSz="457200" eaLnBrk="1" hangingPunct="1" latinLnBrk="0" marL="1371600" rtl="0">
+      <a:defRPr kern="1200" sz="1800">
         <a:solidFill>
           <a:schemeClr val="tx1"/>
         </a:solidFill>
@@ -53,8 +53,8 @@
         <a:cs typeface="+mn-cs"/>
       </a:defRPr>
     </a:lvl4pPr>
-    <a:lvl5pPr marL="1828800" algn="l" defTabSz="457200" rtl="0" eaLnBrk="1" latinLnBrk="0" hangingPunct="1">
-      <a:defRPr sz="1800" kern="1200">
+    <a:lvl5pPr algn="l" defTabSz="457200" eaLnBrk="1" hangingPunct="1" latinLnBrk="0" marL="1828800" rtl="0">
+      <a:defRPr kern="1200" sz="1800">
         <a:solidFill>
           <a:schemeClr val="tx1"/>
         </a:solidFill>
@@ -63,8 +63,8 @@
         <a:cs typeface="+mn-cs"/>
       </a:defRPr>
     </a:lvl5pPr>
-    <a:lvl6pPr marL="2286000" algn="l" defTabSz="457200" rtl="0" eaLnBrk="1" latinLnBrk="0" hangingPunct="1">
-      <a:defRPr sz="1800" kern="1200">
+    <a:lvl6pPr algn="l" defTabSz="457200" eaLnBrk="1" hangingPunct="1" latinLnBrk="0" marL="2286000" rtl="0">
+      <a:defRPr kern="1200" sz="1800">
         <a:solidFill>
           <a:schemeClr val="tx1"/>
         </a:solidFill>
@@ -73,8 +73,8 @@
         <a:cs typeface="+mn-cs"/>
       </a:defRPr>
     </a:lvl6pPr>
-    <a:lvl7pPr marL="2743200" algn="l" defTabSz="457200" rtl="0" eaLnBrk="1" latinLnBrk="0" hangingPunct="1">
-      <a:defRPr sz="1800" kern="1200">
+    <a:lvl7pPr algn="l" defTabSz="457200" eaLnBrk="1" hangingPunct="1" latinLnBrk="0" marL="2743200" rtl="0">
+      <a:defRPr kern="1200" sz="1800">
         <a:solidFill>
           <a:schemeClr val="tx1"/>
         </a:solidFill>
@@ -83,8 +83,8 @@
         <a:cs typeface="+mn-cs"/>
       </a:defRPr>
     </a:lvl7pPr>
-    <a:lvl8pPr marL="3200400" algn="l" defTabSz="457200" rtl="0" eaLnBrk="1" latinLnBrk="0" hangingPunct="1">
-      <a:defRPr sz="1800" kern="1200">
+    <a:lvl8pPr algn="l" defTabSz="457200" eaLnBrk="1" hangingPunct="1" latinLnBrk="0" marL="3200400" rtl="0">
+      <a:defRPr kern="1200" sz="1800">
         <a:solidFill>
           <a:schemeClr val="tx1"/>
         </a:solidFill>
@@ -93,8 +93,8 @@
         <a:cs typeface="+mn-cs"/>
       </a:defRPr>
     </a:lvl8pPr>
-    <a:lvl9pPr marL="3657600" algn="l" defTabSz="457200" rtl="0" eaLnBrk="1" latinLnBrk="0" hangingPunct="1">
-      <a:defRPr sz="1800" kern="1200">
+    <a:lvl9pPr algn="l" defTabSz="457200" eaLnBrk="1" hangingPunct="1" latinLnBrk="0" marL="3657600" rtl="0">
+      <a:defRPr kern="1200" sz="1800">
         <a:solidFill>
           <a:schemeClr val="tx1"/>
         </a:solidFill>
